--- a/Workflow/Foundry Product_Use_case_Logic.pptx
+++ b/Workflow/Foundry Product_Use_case_Logic.pptx
@@ -8,6 +8,8 @@
     <p:sldId id="256" r:id="rId5"/>
     <p:sldId id="257" r:id="rId6"/>
     <p:sldId id="258" r:id="rId7"/>
+    <p:sldId id="259" r:id="rId8"/>
+    <p:sldId id="260" r:id="rId9"/>
   </p:sldIdLst>
   <p:sldSz cx="12192000" cy="6858000"/>
   <p:notesSz cx="6858000" cy="9144000"/>
@@ -106,6 +108,11 @@
       </a:defRPr>
     </a:lvl9pPr>
   </p:defaultTextStyle>
+  <p:extLst>
+    <p:ext uri="{EFAFB233-063F-42B5-8137-9DF3F51BA10A}">
+      <p15:sldGuideLst xmlns:p15="http://schemas.microsoft.com/office/powerpoint/2012/main"/>
+    </p:ext>
+  </p:extLst>
 </p:presentation>
 </file>
 
@@ -465,7 +472,7 @@
           <a:p>
             <a:fld id="{3CADBD16-5BFB-4D9F-9646-C75D1B53BBB6}" type="datetimeFigureOut">
               <a:rPr lang="en-US" smtClean="0"/>
-              <a:t>2/3/2023</a:t>
+              <a:t>2/5/2023</a:t>
             </a:fld>
             <a:endParaRPr lang="en-US"/>
           </a:p>
@@ -706,7 +713,7 @@
           <a:p>
             <a:fld id="{3CADBD16-5BFB-4D9F-9646-C75D1B53BBB6}" type="datetimeFigureOut">
               <a:rPr lang="en-US" smtClean="0"/>
-              <a:t>2/3/2023</a:t>
+              <a:t>2/5/2023</a:t>
             </a:fld>
             <a:endParaRPr lang="en-US"/>
           </a:p>
@@ -914,7 +921,7 @@
           <a:p>
             <a:fld id="{3CADBD16-5BFB-4D9F-9646-C75D1B53BBB6}" type="datetimeFigureOut">
               <a:rPr lang="en-US" smtClean="0"/>
-              <a:t>2/3/2023</a:t>
+              <a:t>2/5/2023</a:t>
             </a:fld>
             <a:endParaRPr lang="en-US"/>
           </a:p>
@@ -1112,7 +1119,7 @@
           <a:p>
             <a:fld id="{3CADBD16-5BFB-4D9F-9646-C75D1B53BBB6}" type="datetimeFigureOut">
               <a:rPr lang="en-US" smtClean="0"/>
-              <a:t>2/3/2023</a:t>
+              <a:t>2/5/2023</a:t>
             </a:fld>
             <a:endParaRPr lang="en-US"/>
           </a:p>
@@ -1389,7 +1396,7 @@
           <a:p>
             <a:fld id="{3CADBD16-5BFB-4D9F-9646-C75D1B53BBB6}" type="datetimeFigureOut">
               <a:rPr lang="en-US" smtClean="0"/>
-              <a:t>2/3/2023</a:t>
+              <a:t>2/5/2023</a:t>
             </a:fld>
             <a:endParaRPr lang="en-US"/>
           </a:p>
@@ -1654,7 +1661,7 @@
           <a:p>
             <a:fld id="{3CADBD16-5BFB-4D9F-9646-C75D1B53BBB6}" type="datetimeFigureOut">
               <a:rPr lang="en-US" smtClean="0"/>
-              <a:t>2/3/2023</a:t>
+              <a:t>2/5/2023</a:t>
             </a:fld>
             <a:endParaRPr lang="en-US"/>
           </a:p>
@@ -2070,7 +2077,7 @@
           <a:p>
             <a:fld id="{3CADBD16-5BFB-4D9F-9646-C75D1B53BBB6}" type="datetimeFigureOut">
               <a:rPr lang="en-US" smtClean="0"/>
-              <a:t>2/3/2023</a:t>
+              <a:t>2/5/2023</a:t>
             </a:fld>
             <a:endParaRPr lang="en-US"/>
           </a:p>
@@ -2220,7 +2227,7 @@
           <a:p>
             <a:fld id="{3CADBD16-5BFB-4D9F-9646-C75D1B53BBB6}" type="datetimeFigureOut">
               <a:rPr lang="en-US" smtClean="0"/>
-              <a:t>2/3/2023</a:t>
+              <a:t>2/5/2023</a:t>
             </a:fld>
             <a:endParaRPr lang="en-US"/>
           </a:p>
@@ -2333,7 +2340,7 @@
           <a:p>
             <a:fld id="{3CADBD16-5BFB-4D9F-9646-C75D1B53BBB6}" type="datetimeFigureOut">
               <a:rPr lang="en-US" smtClean="0"/>
-              <a:t>2/3/2023</a:t>
+              <a:t>2/5/2023</a:t>
             </a:fld>
             <a:endParaRPr lang="en-US"/>
           </a:p>
@@ -2649,7 +2656,7 @@
           <a:p>
             <a:fld id="{3CADBD16-5BFB-4D9F-9646-C75D1B53BBB6}" type="datetimeFigureOut">
               <a:rPr lang="en-US" smtClean="0"/>
-              <a:t>2/3/2023</a:t>
+              <a:t>2/5/2023</a:t>
             </a:fld>
             <a:endParaRPr lang="en-US"/>
           </a:p>
@@ -2900,7 +2907,7 @@
           <a:p>
             <a:fld id="{3CADBD16-5BFB-4D9F-9646-C75D1B53BBB6}" type="datetimeFigureOut">
               <a:rPr lang="en-US" smtClean="0"/>
-              <a:t>2/3/2023</a:t>
+              <a:t>2/5/2023</a:t>
             </a:fld>
             <a:endParaRPr lang="en-US"/>
           </a:p>
@@ -3409,7 +3416,7 @@
             <a:fld id="{3CADBD16-5BFB-4D9F-9646-C75D1B53BBB6}" type="datetimeFigureOut">
               <a:rPr lang="en-US" smtClean="0"/>
               <a:pPr/>
-              <a:t>2/3/2023</a:t>
+              <a:t>2/5/2023</a:t>
             </a:fld>
             <a:endParaRPr lang="en-US" dirty="0"/>
           </a:p>
@@ -4291,7 +4298,11 @@
           <a:bodyPr/>
           <a:lstStyle/>
           <a:p>
-            <a:endParaRPr lang="en-CA"/>
+            <a:r>
+              <a:rPr lang="en-US" dirty="0"/>
+              <a:t>Data Solutions Integration Foundary</a:t>
+            </a:r>
+            <a:endParaRPr lang="en-CA" dirty="0"/>
           </a:p>
         </p:txBody>
       </p:sp>
@@ -4324,6 +4335,187 @@
     <p:extLst>
       <p:ext uri="{BB962C8B-B14F-4D97-AF65-F5344CB8AC3E}">
         <p14:creationId xmlns:p14="http://schemas.microsoft.com/office/powerpoint/2010/main" val="697454924"/>
+      </p:ext>
+    </p:extLst>
+  </p:cSld>
+  <p:clrMapOvr>
+    <a:masterClrMapping/>
+  </p:clrMapOvr>
+</p:sld>
+</file>
+
+<file path=ppt/slides/slide4.xml><?xml version="1.0" encoding="utf-8"?>
+<p:sld xmlns:a="http://schemas.openxmlformats.org/drawingml/2006/main" xmlns:r="http://schemas.openxmlformats.org/officeDocument/2006/relationships" xmlns:p="http://schemas.openxmlformats.org/presentationml/2006/main">
+  <p:cSld>
+    <p:spTree>
+      <p:nvGrpSpPr>
+        <p:cNvPr id="1" name=""/>
+        <p:cNvGrpSpPr/>
+        <p:nvPr/>
+      </p:nvGrpSpPr>
+      <p:grpSpPr>
+        <a:xfrm>
+          <a:off x="0" y="0"/>
+          <a:ext cx="0" cy="0"/>
+          <a:chOff x="0" y="0"/>
+          <a:chExt cx="0" cy="0"/>
+        </a:xfrm>
+      </p:grpSpPr>
+      <p:sp>
+        <p:nvSpPr>
+          <p:cNvPr id="2" name="Title 1">
+            <a:extLst>
+              <a:ext uri="{FF2B5EF4-FFF2-40B4-BE49-F238E27FC236}">
+                <a16:creationId xmlns:a16="http://schemas.microsoft.com/office/drawing/2014/main" id="{2A453187-0A9E-E4CE-E9FF-3F6E69878699}"/>
+              </a:ext>
+            </a:extLst>
+          </p:cNvPr>
+          <p:cNvSpPr>
+            <a:spLocks noGrp="1"/>
+          </p:cNvSpPr>
+          <p:nvPr>
+            <p:ph type="title"/>
+          </p:nvPr>
+        </p:nvSpPr>
+        <p:spPr/>
+        <p:txBody>
+          <a:bodyPr/>
+          <a:lstStyle/>
+          <a:p>
+            <a:r>
+              <a:rPr lang="en-US" dirty="0"/>
+              <a:t>Pipeline build out and Forward Deployed </a:t>
+            </a:r>
+            <a:br>
+              <a:rPr lang="en-US" dirty="0"/>
+            </a:br>
+            <a:r>
+              <a:rPr lang="en-US" dirty="0"/>
+              <a:t>Software Engineer Purpose</a:t>
+            </a:r>
+            <a:endParaRPr lang="en-CA" dirty="0"/>
+          </a:p>
+        </p:txBody>
+      </p:sp>
+      <p:sp>
+        <p:nvSpPr>
+          <p:cNvPr id="3" name="Content Placeholder 2">
+            <a:extLst>
+              <a:ext uri="{FF2B5EF4-FFF2-40B4-BE49-F238E27FC236}">
+                <a16:creationId xmlns:a16="http://schemas.microsoft.com/office/drawing/2014/main" id="{BD2E5ECC-DA64-2403-A4A0-F20C3110BCDA}"/>
+              </a:ext>
+            </a:extLst>
+          </p:cNvPr>
+          <p:cNvSpPr>
+            <a:spLocks noGrp="1"/>
+          </p:cNvSpPr>
+          <p:nvPr>
+            <p:ph idx="1"/>
+          </p:nvPr>
+        </p:nvSpPr>
+        <p:spPr/>
+        <p:txBody>
+          <a:bodyPr/>
+          <a:lstStyle/>
+          <a:p>
+            <a:endParaRPr lang="en-CA"/>
+          </a:p>
+        </p:txBody>
+      </p:sp>
+    </p:spTree>
+    <p:extLst>
+      <p:ext uri="{BB962C8B-B14F-4D97-AF65-F5344CB8AC3E}">
+        <p14:creationId xmlns:p14="http://schemas.microsoft.com/office/powerpoint/2010/main" val="121349535"/>
+      </p:ext>
+    </p:extLst>
+  </p:cSld>
+  <p:clrMapOvr>
+    <a:masterClrMapping/>
+  </p:clrMapOvr>
+</p:sld>
+</file>
+
+<file path=ppt/slides/slide5.xml><?xml version="1.0" encoding="utf-8"?>
+<p:sld xmlns:a="http://schemas.openxmlformats.org/drawingml/2006/main" xmlns:r="http://schemas.openxmlformats.org/officeDocument/2006/relationships" xmlns:p="http://schemas.openxmlformats.org/presentationml/2006/main">
+  <p:cSld>
+    <p:spTree>
+      <p:nvGrpSpPr>
+        <p:cNvPr id="1" name=""/>
+        <p:cNvGrpSpPr/>
+        <p:nvPr/>
+      </p:nvGrpSpPr>
+      <p:grpSpPr>
+        <a:xfrm>
+          <a:off x="0" y="0"/>
+          <a:ext cx="0" cy="0"/>
+          <a:chOff x="0" y="0"/>
+          <a:chExt cx="0" cy="0"/>
+        </a:xfrm>
+      </p:grpSpPr>
+      <p:sp>
+        <p:nvSpPr>
+          <p:cNvPr id="2" name="Title 1">
+            <a:extLst>
+              <a:ext uri="{FF2B5EF4-FFF2-40B4-BE49-F238E27FC236}">
+                <a16:creationId xmlns:a16="http://schemas.microsoft.com/office/drawing/2014/main" id="{040A6A8F-F221-25F6-EDD0-FB63D294A8D5}"/>
+              </a:ext>
+            </a:extLst>
+          </p:cNvPr>
+          <p:cNvSpPr>
+            <a:spLocks noGrp="1"/>
+          </p:cNvSpPr>
+          <p:nvPr>
+            <p:ph type="title"/>
+          </p:nvPr>
+        </p:nvSpPr>
+        <p:spPr/>
+        <p:txBody>
+          <a:bodyPr>
+            <a:normAutofit/>
+          </a:bodyPr>
+          <a:lstStyle/>
+          <a:p>
+            <a:r>
+              <a:rPr lang="en-US" dirty="0"/>
+              <a:t>Data processing engine build out and Forward Deployed </a:t>
+            </a:r>
+            <a:r>
+              <a:rPr lang="en-US"/>
+              <a:t>Data Engineer Purpose</a:t>
+            </a:r>
+            <a:endParaRPr lang="en-CA" dirty="0"/>
+          </a:p>
+        </p:txBody>
+      </p:sp>
+      <p:sp>
+        <p:nvSpPr>
+          <p:cNvPr id="3" name="Content Placeholder 2">
+            <a:extLst>
+              <a:ext uri="{FF2B5EF4-FFF2-40B4-BE49-F238E27FC236}">
+                <a16:creationId xmlns:a16="http://schemas.microsoft.com/office/drawing/2014/main" id="{FB9B3634-9CD4-3949-0AEF-0E374BE3E5F1}"/>
+              </a:ext>
+            </a:extLst>
+          </p:cNvPr>
+          <p:cNvSpPr>
+            <a:spLocks noGrp="1"/>
+          </p:cNvSpPr>
+          <p:nvPr>
+            <p:ph idx="1"/>
+          </p:nvPr>
+        </p:nvSpPr>
+        <p:spPr/>
+        <p:txBody>
+          <a:bodyPr/>
+          <a:lstStyle/>
+          <a:p>
+            <a:endParaRPr lang="en-CA"/>
+          </a:p>
+        </p:txBody>
+      </p:sp>
+    </p:spTree>
+    <p:extLst>
+      <p:ext uri="{BB962C8B-B14F-4D97-AF65-F5344CB8AC3E}">
+        <p14:creationId xmlns:p14="http://schemas.microsoft.com/office/powerpoint/2010/main" val="3991792575"/>
       </p:ext>
     </p:extLst>
   </p:cSld>
@@ -4535,6 +4727,21 @@
 </file>
 
 <file path=customXml/item1.xml><?xml version="1.0" encoding="utf-8"?>
+<p:properties xmlns:p="http://schemas.microsoft.com/office/2006/metadata/properties" xmlns:xsi="http://www.w3.org/2001/XMLSchema-instance" xmlns:pc="http://schemas.microsoft.com/office/infopath/2007/PartnerControls">
+  <documentManagement/>
+</p:properties>
+</file>
+
+<file path=customXml/item2.xml><?xml version="1.0" encoding="utf-8"?>
+<?mso-contentType ?>
+<FormTemplates xmlns="http://schemas.microsoft.com/sharepoint/v3/contenttype/forms">
+  <Display>DocumentLibraryForm</Display>
+  <Edit>DocumentLibraryForm</Edit>
+  <New>DocumentLibraryForm</New>
+</FormTemplates>
+</file>
+
+<file path=customXml/item3.xml><?xml version="1.0" encoding="utf-8"?>
 <ct:contentTypeSchema xmlns:ct="http://schemas.microsoft.com/office/2006/metadata/contentType" xmlns:ma="http://schemas.microsoft.com/office/2006/metadata/properties/metaAttributes" ct:_="" ma:_="" ma:contentTypeName="Document" ma:contentTypeID="0x010100187CB99B633CF74CB96C6036C1453EF0" ma:contentTypeVersion="9" ma:contentTypeDescription="Create a new document." ma:contentTypeScope="" ma:versionID="a1344847cc888fb9ce812c031a45672a">
   <xsd:schema xmlns:xsd="http://www.w3.org/2001/XMLSchema" xmlns:xs="http://www.w3.org/2001/XMLSchema" xmlns:p="http://schemas.microsoft.com/office/2006/metadata/properties" xmlns:ns3="4e2827ee-077a-42b6-91dc-849015ede821" xmlns:ns4="02125c62-9850-4246-9069-7295b901ab02" targetNamespace="http://schemas.microsoft.com/office/2006/metadata/properties" ma:root="true" ma:fieldsID="1f20d3428db51a2f28508bf4fe05126f" ns3:_="" ns4:_="">
     <xsd:import namespace="4e2827ee-077a-42b6-91dc-849015ede821"/>
@@ -4731,22 +4938,32 @@
 </ct:contentTypeSchema>
 </file>
 
-<file path=customXml/item2.xml><?xml version="1.0" encoding="utf-8"?>
-<?mso-contentType ?>
-<FormTemplates xmlns="http://schemas.microsoft.com/sharepoint/v3/contenttype/forms">
-  <Display>DocumentLibraryForm</Display>
-  <Edit>DocumentLibraryForm</Edit>
-  <New>DocumentLibraryForm</New>
-</FormTemplates>
+<file path=customXml/itemProps1.xml><?xml version="1.0" encoding="utf-8"?>
+<ds:datastoreItem xmlns:ds="http://schemas.openxmlformats.org/officeDocument/2006/customXml" ds:itemID="{A970DF6C-CBA6-42E9-9658-E75DBD5AC551}">
+  <ds:schemaRefs>
+    <ds:schemaRef ds:uri="http://schemas.microsoft.com/office/2006/documentManagement/types"/>
+    <ds:schemaRef ds:uri="http://schemas.microsoft.com/office/infopath/2007/PartnerControls"/>
+    <ds:schemaRef ds:uri="http://schemas.openxmlformats.org/package/2006/metadata/core-properties"/>
+    <ds:schemaRef ds:uri="http://purl.org/dc/dcmitype/"/>
+    <ds:schemaRef ds:uri="http://www.w3.org/XML/1998/namespace"/>
+    <ds:schemaRef ds:uri="02125c62-9850-4246-9069-7295b901ab02"/>
+    <ds:schemaRef ds:uri="http://purl.org/dc/terms/"/>
+    <ds:schemaRef ds:uri="http://purl.org/dc/elements/1.1/"/>
+    <ds:schemaRef ds:uri="4e2827ee-077a-42b6-91dc-849015ede821"/>
+    <ds:schemaRef ds:uri="http://schemas.microsoft.com/office/2006/metadata/properties"/>
+  </ds:schemaRefs>
+</ds:datastoreItem>
 </file>
 
-<file path=customXml/item3.xml><?xml version="1.0" encoding="utf-8"?>
-<p:properties xmlns:p="http://schemas.microsoft.com/office/2006/metadata/properties" xmlns:xsi="http://www.w3.org/2001/XMLSchema-instance" xmlns:pc="http://schemas.microsoft.com/office/infopath/2007/PartnerControls">
-  <documentManagement/>
-</p:properties>
+<file path=customXml/itemProps2.xml><?xml version="1.0" encoding="utf-8"?>
+<ds:datastoreItem xmlns:ds="http://schemas.openxmlformats.org/officeDocument/2006/customXml" ds:itemID="{226D3CD6-3BF0-4544-841F-3C63EC13DD4B}">
+  <ds:schemaRefs>
+    <ds:schemaRef ds:uri="http://schemas.microsoft.com/sharepoint/v3/contenttype/forms"/>
+  </ds:schemaRefs>
+</ds:datastoreItem>
 </file>
 
-<file path=customXml/itemProps1.xml><?xml version="1.0" encoding="utf-8"?>
+<file path=customXml/itemProps3.xml><?xml version="1.0" encoding="utf-8"?>
 <ds:datastoreItem xmlns:ds="http://schemas.openxmlformats.org/officeDocument/2006/customXml" ds:itemID="{0404CA9E-1E11-4695-9DDF-D1086B52C8F4}">
   <ds:schemaRefs>
     <ds:schemaRef ds:uri="http://schemas.microsoft.com/office/2006/metadata/contentType"/>
@@ -4763,29 +4980,4 @@
     <ds:schemaRef ds:uri="http://schemas.microsoft.com/internal/obd"/>
   </ds:schemaRefs>
 </ds:datastoreItem>
-</file>
-
-<file path=customXml/itemProps2.xml><?xml version="1.0" encoding="utf-8"?>
-<ds:datastoreItem xmlns:ds="http://schemas.openxmlformats.org/officeDocument/2006/customXml" ds:itemID="{226D3CD6-3BF0-4544-841F-3C63EC13DD4B}">
-  <ds:schemaRefs>
-    <ds:schemaRef ds:uri="http://schemas.microsoft.com/sharepoint/v3/contenttype/forms"/>
-  </ds:schemaRefs>
-</ds:datastoreItem>
-</file>
-
-<file path=customXml/itemProps3.xml><?xml version="1.0" encoding="utf-8"?>
-<ds:datastoreItem xmlns:ds="http://schemas.openxmlformats.org/officeDocument/2006/customXml" ds:itemID="{A970DF6C-CBA6-42E9-9658-E75DBD5AC551}">
-  <ds:schemaRefs>
-    <ds:schemaRef ds:uri="http://schemas.microsoft.com/office/2006/documentManagement/types"/>
-    <ds:schemaRef ds:uri="http://schemas.microsoft.com/office/infopath/2007/PartnerControls"/>
-    <ds:schemaRef ds:uri="http://schemas.openxmlformats.org/package/2006/metadata/core-properties"/>
-    <ds:schemaRef ds:uri="http://purl.org/dc/dcmitype/"/>
-    <ds:schemaRef ds:uri="http://www.w3.org/XML/1998/namespace"/>
-    <ds:schemaRef ds:uri="02125c62-9850-4246-9069-7295b901ab02"/>
-    <ds:schemaRef ds:uri="http://purl.org/dc/terms/"/>
-    <ds:schemaRef ds:uri="http://purl.org/dc/elements/1.1/"/>
-    <ds:schemaRef ds:uri="4e2827ee-077a-42b6-91dc-849015ede821"/>
-    <ds:schemaRef ds:uri="http://schemas.microsoft.com/office/2006/metadata/properties"/>
-  </ds:schemaRefs>
-</ds:datastoreItem>
 </file>